--- a/gilbert/images/systemArchitecture.pptx
+++ b/gilbert/images/systemArchitecture.pptx
@@ -289,7 +289,7 @@
             <a:fld id="{CD66EB5A-4F37-441C-A97C-356D4BF20A1B}" type="datetimeFigureOut">
               <a:rPr lang="de-DE" smtClean="0"/>
               <a:pPr/>
-              <a:t>17/06/14</a:t>
+              <a:t>22/06/14</a:t>
             </a:fld>
             <a:endParaRPr lang="de-DE"/>
           </a:p>
@@ -456,7 +456,7 @@
             <a:fld id="{CD66EB5A-4F37-441C-A97C-356D4BF20A1B}" type="datetimeFigureOut">
               <a:rPr lang="de-DE" smtClean="0"/>
               <a:pPr/>
-              <a:t>17/06/14</a:t>
+              <a:t>22/06/14</a:t>
             </a:fld>
             <a:endParaRPr lang="de-DE"/>
           </a:p>
@@ -633,7 +633,7 @@
             <a:fld id="{CD66EB5A-4F37-441C-A97C-356D4BF20A1B}" type="datetimeFigureOut">
               <a:rPr lang="de-DE" smtClean="0"/>
               <a:pPr/>
-              <a:t>17/06/14</a:t>
+              <a:t>22/06/14</a:t>
             </a:fld>
             <a:endParaRPr lang="de-DE"/>
           </a:p>
@@ -800,7 +800,7 @@
             <a:fld id="{CD66EB5A-4F37-441C-A97C-356D4BF20A1B}" type="datetimeFigureOut">
               <a:rPr lang="de-DE" smtClean="0"/>
               <a:pPr/>
-              <a:t>17/06/14</a:t>
+              <a:t>22/06/14</a:t>
             </a:fld>
             <a:endParaRPr lang="de-DE"/>
           </a:p>
@@ -1043,7 +1043,7 @@
             <a:fld id="{CD66EB5A-4F37-441C-A97C-356D4BF20A1B}" type="datetimeFigureOut">
               <a:rPr lang="de-DE" smtClean="0"/>
               <a:pPr/>
-              <a:t>17/06/14</a:t>
+              <a:t>22/06/14</a:t>
             </a:fld>
             <a:endParaRPr lang="de-DE"/>
           </a:p>
@@ -1328,7 +1328,7 @@
             <a:fld id="{CD66EB5A-4F37-441C-A97C-356D4BF20A1B}" type="datetimeFigureOut">
               <a:rPr lang="de-DE" smtClean="0"/>
               <a:pPr/>
-              <a:t>17/06/14</a:t>
+              <a:t>22/06/14</a:t>
             </a:fld>
             <a:endParaRPr lang="de-DE"/>
           </a:p>
@@ -1747,7 +1747,7 @@
             <a:fld id="{CD66EB5A-4F37-441C-A97C-356D4BF20A1B}" type="datetimeFigureOut">
               <a:rPr lang="de-DE" smtClean="0"/>
               <a:pPr/>
-              <a:t>17/06/14</a:t>
+              <a:t>22/06/14</a:t>
             </a:fld>
             <a:endParaRPr lang="de-DE"/>
           </a:p>
@@ -1862,7 +1862,7 @@
             <a:fld id="{CD66EB5A-4F37-441C-A97C-356D4BF20A1B}" type="datetimeFigureOut">
               <a:rPr lang="de-DE" smtClean="0"/>
               <a:pPr/>
-              <a:t>17/06/14</a:t>
+              <a:t>22/06/14</a:t>
             </a:fld>
             <a:endParaRPr lang="de-DE"/>
           </a:p>
@@ -1954,7 +1954,7 @@
             <a:fld id="{CD66EB5A-4F37-441C-A97C-356D4BF20A1B}" type="datetimeFigureOut">
               <a:rPr lang="de-DE" smtClean="0"/>
               <a:pPr/>
-              <a:t>17/06/14</a:t>
+              <a:t>22/06/14</a:t>
             </a:fld>
             <a:endParaRPr lang="de-DE"/>
           </a:p>
@@ -2228,7 +2228,7 @@
             <a:fld id="{CD66EB5A-4F37-441C-A97C-356D4BF20A1B}" type="datetimeFigureOut">
               <a:rPr lang="de-DE" smtClean="0"/>
               <a:pPr/>
-              <a:t>17/06/14</a:t>
+              <a:t>22/06/14</a:t>
             </a:fld>
             <a:endParaRPr lang="de-DE"/>
           </a:p>
@@ -2478,7 +2478,7 @@
             <a:fld id="{CD66EB5A-4F37-441C-A97C-356D4BF20A1B}" type="datetimeFigureOut">
               <a:rPr lang="de-DE" smtClean="0"/>
               <a:pPr/>
-              <a:t>17/06/14</a:t>
+              <a:t>22/06/14</a:t>
             </a:fld>
             <a:endParaRPr lang="de-DE"/>
           </a:p>
@@ -2688,7 +2688,7 @@
             <a:fld id="{CD66EB5A-4F37-441C-A97C-356D4BF20A1B}" type="datetimeFigureOut">
               <a:rPr lang="de-DE" smtClean="0"/>
               <a:pPr/>
-              <a:t>17/06/14</a:t>
+              <a:t>22/06/14</a:t>
             </a:fld>
             <a:endParaRPr lang="de-DE"/>
           </a:p>
@@ -3067,7 +3067,7 @@
         </p:nvSpPr>
         <p:spPr>
           <a:xfrm>
-            <a:off x="2483768" y="764704"/>
+            <a:off x="2483768" y="476672"/>
             <a:ext cx="5040560" cy="2376264"/>
           </a:xfrm>
           <a:prstGeom prst="roundRect">
@@ -3130,8 +3130,8 @@
         </p:nvSpPr>
         <p:spPr>
           <a:xfrm>
-            <a:off x="2483768" y="3429000"/>
-            <a:ext cx="5040560" cy="1368152"/>
+            <a:off x="2483768" y="3068960"/>
+            <a:ext cx="5040560" cy="1800200"/>
           </a:xfrm>
           <a:prstGeom prst="roundRect">
             <a:avLst/>
@@ -3508,8 +3508,8 @@
         </p:nvSpPr>
         <p:spPr>
           <a:xfrm>
-            <a:off x="2627784" y="4005064"/>
-            <a:ext cx="4752528" cy="576064"/>
+            <a:off x="2627784" y="4221088"/>
+            <a:ext cx="4752528" cy="432048"/>
           </a:xfrm>
           <a:prstGeom prst="roundRect">
             <a:avLst/>
@@ -3571,18 +3571,11 @@
               <a:t>Execution</a:t>
             </a:r>
             <a:r>
-              <a:rPr lang="de-DE" smtClean="0">
-                <a:latin typeface="Times New Roman"/>
-                <a:cs typeface="Times New Roman"/>
-              </a:rPr>
-              <a:t> Plan </a:t>
-            </a:r>
-            <a:r>
               <a:rPr lang="de-DE" dirty="0" smtClean="0">
                 <a:latin typeface="Times New Roman"/>
                 <a:cs typeface="Times New Roman"/>
               </a:rPr>
-              <a:t>Generator </a:t>
+              <a:t> Plan Generator </a:t>
             </a:r>
             <a:endParaRPr lang="de-DE" dirty="0">
               <a:latin typeface="Times New Roman"/>
@@ -3599,7 +3592,7 @@
         </p:nvSpPr>
         <p:spPr>
           <a:xfrm>
-            <a:off x="2627784" y="1340768"/>
+            <a:off x="2627784" y="1052736"/>
             <a:ext cx="4752528" cy="432048"/>
           </a:xfrm>
           <a:prstGeom prst="roundRect">
@@ -3690,7 +3683,7 @@
         </p:nvSpPr>
         <p:spPr>
           <a:xfrm>
-            <a:off x="2627784" y="1916832"/>
+            <a:off x="2627784" y="1628800"/>
             <a:ext cx="4752528" cy="432048"/>
           </a:xfrm>
           <a:prstGeom prst="roundRect">
@@ -3767,7 +3760,7 @@
         </p:nvSpPr>
         <p:spPr>
           <a:xfrm>
-            <a:off x="2627784" y="2492896"/>
+            <a:off x="2627784" y="2204864"/>
             <a:ext cx="4752528" cy="432048"/>
           </a:xfrm>
           <a:prstGeom prst="roundRect">
@@ -3828,6 +3821,83 @@
                 <a:cs typeface="Times New Roman"/>
               </a:rPr>
               <a:t>Compiler</a:t>
+            </a:r>
+            <a:endParaRPr lang="de-DE" dirty="0">
+              <a:latin typeface="Times New Roman"/>
+              <a:cs typeface="Times New Roman"/>
+            </a:endParaRPr>
+          </a:p>
+        </p:txBody>
+      </p:sp>
+      <p:sp>
+        <p:nvSpPr>
+          <p:cNvPr id="13" name="Abgerundetes Rechteck 12"/>
+          <p:cNvSpPr/>
+          <p:nvPr/>
+        </p:nvSpPr>
+        <p:spPr>
+          <a:xfrm>
+            <a:off x="2627784" y="3645024"/>
+            <a:ext cx="4752528" cy="432048"/>
+          </a:xfrm>
+          <a:prstGeom prst="roundRect">
+            <a:avLst/>
+          </a:prstGeom>
+          <a:gradFill>
+            <a:gsLst>
+              <a:gs pos="0">
+                <a:schemeClr val="accent3">
+                  <a:lumMod val="60000"/>
+                  <a:lumOff val="40000"/>
+                </a:schemeClr>
+              </a:gs>
+              <a:gs pos="35000">
+                <a:schemeClr val="accent3">
+                  <a:lumMod val="60000"/>
+                  <a:lumOff val="40000"/>
+                </a:schemeClr>
+              </a:gs>
+              <a:gs pos="100000">
+                <a:schemeClr val="accent3">
+                  <a:lumMod val="40000"/>
+                  <a:lumOff val="60000"/>
+                </a:schemeClr>
+              </a:gs>
+            </a:gsLst>
+          </a:gradFill>
+          <a:ln>
+            <a:solidFill>
+              <a:schemeClr val="accent3">
+                <a:lumMod val="75000"/>
+              </a:schemeClr>
+            </a:solidFill>
+          </a:ln>
+        </p:spPr>
+        <p:style>
+          <a:lnRef idx="1">
+            <a:schemeClr val="accent3"/>
+          </a:lnRef>
+          <a:fillRef idx="2">
+            <a:schemeClr val="accent3"/>
+          </a:fillRef>
+          <a:effectRef idx="1">
+            <a:schemeClr val="accent3"/>
+          </a:effectRef>
+          <a:fontRef idx="minor">
+            <a:schemeClr val="dk1"/>
+          </a:fontRef>
+        </p:style>
+        <p:txBody>
+          <a:bodyPr rtlCol="0" anchor="ctr"/>
+          <a:lstStyle/>
+          <a:p>
+            <a:pPr algn="ctr"/>
+            <a:r>
+              <a:rPr lang="de-DE" dirty="0" err="1" smtClean="0">
+                <a:latin typeface="Times New Roman"/>
+                <a:cs typeface="Times New Roman"/>
+              </a:rPr>
+              <a:t>Optimizer</a:t>
             </a:r>
             <a:endParaRPr lang="de-DE" dirty="0">
               <a:latin typeface="Times New Roman"/>
